--- a/Project_02/ENGI301_Project_Proposal.pptx
+++ b/Project_02/ENGI301_Project_Proposal.pptx
@@ -229,7 +229,7 @@
           <a:p>
             <a:fld id="{59041DB8-B66F-4DC8-A96E-33677E0F90FF}" type="datetimeFigureOut">
               <a:rPr lang="en-US" smtClean="0"/>
-              <a:t>11/25/2019</a:t>
+              <a:t>11/26/2019</a:t>
             </a:fld>
             <a:endParaRPr lang="en-US"/>
           </a:p>
@@ -394,7 +394,7 @@
           <a:p>
             <a:fld id="{DEB49C4A-65AC-492D-9701-81B46C3AD0E4}" type="datetimeFigureOut">
               <a:rPr lang="en-US" smtClean="0"/>
-              <a:t>11/25/2019</a:t>
+              <a:t>11/26/2019</a:t>
             </a:fld>
             <a:endParaRPr lang="en-US"/>
           </a:p>
@@ -2802,7 +2802,7 @@
           <a:p>
             <a:fld id="{384A29A4-78C8-47AB-BA06-22CB45938951}" type="datetime1">
               <a:rPr lang="en-US" smtClean="0"/>
-              <a:t>11/25/2019</a:t>
+              <a:t>11/26/2019</a:t>
             </a:fld>
             <a:endParaRPr lang="en-US"/>
           </a:p>
@@ -2997,7 +2997,7 @@
           <a:p>
             <a:fld id="{E1ED4ACF-2D82-46F2-A8E9-23963AA34E86}" type="datetime1">
               <a:rPr lang="en-US" smtClean="0"/>
-              <a:t>11/25/2019</a:t>
+              <a:t>11/26/2019</a:t>
             </a:fld>
             <a:endParaRPr lang="en-US"/>
           </a:p>
@@ -3191,7 +3191,7 @@
           <a:p>
             <a:fld id="{AE374B5B-21A0-4192-BF4C-38187F1A68D8}" type="datetime1">
               <a:rPr lang="en-US" smtClean="0"/>
-              <a:t>11/25/2019</a:t>
+              <a:t>11/26/2019</a:t>
             </a:fld>
             <a:endParaRPr lang="en-US"/>
           </a:p>
@@ -5532,7 +5532,7 @@
           <a:p>
             <a:fld id="{33B5CF7C-B333-48E1-A4A6-83A3C8B73AC0}" type="datetime1">
               <a:rPr lang="en-US" smtClean="0"/>
-              <a:t>11/25/2019</a:t>
+              <a:t>11/26/2019</a:t>
             </a:fld>
             <a:endParaRPr lang="en-US"/>
           </a:p>
@@ -5985,7 +5985,7 @@
           <a:p>
             <a:fld id="{AE320762-5CBF-4210-AB54-376B091119F8}" type="datetime1">
               <a:rPr lang="en-US" smtClean="0"/>
-              <a:t>11/25/2019</a:t>
+              <a:t>11/26/2019</a:t>
             </a:fld>
             <a:endParaRPr lang="en-US"/>
           </a:p>
@@ -6117,7 +6117,7 @@
           <a:p>
             <a:fld id="{7F0DB371-BF5F-4058-A212-1A908E4D2674}" type="datetime1">
               <a:rPr lang="en-US" smtClean="0"/>
-              <a:t>11/25/2019</a:t>
+              <a:t>11/26/2019</a:t>
             </a:fld>
             <a:endParaRPr lang="en-US"/>
           </a:p>
@@ -8050,7 +8050,7 @@
           <a:p>
             <a:fld id="{60A4083B-90AA-48CF-BAD5-00AA24D7F288}" type="datetime1">
               <a:rPr lang="en-US" smtClean="0"/>
-              <a:t>11/25/2019</a:t>
+              <a:t>11/26/2019</a:t>
             </a:fld>
             <a:endParaRPr lang="en-US"/>
           </a:p>
@@ -10309,7 +10309,7 @@
             <a:fld id="{F5BAF629-ECA2-4CF3-B790-9D9BDED98269}" type="datetime1">
               <a:rPr lang="en-US" smtClean="0"/>
               <a:pPr/>
-              <a:t>11/25/2019</a:t>
+              <a:t>11/26/2019</a:t>
             </a:fld>
             <a:endParaRPr lang="en-US"/>
           </a:p>
@@ -14604,7 +14604,7 @@
             <a:fld id="{B51B2453-8663-4C69-AF73-9FD7B1DEC5D0}" type="datetime1">
               <a:rPr lang="en-US" smtClean="0"/>
               <a:pPr/>
-              <a:t>11/25/2019</a:t>
+              <a:t>11/26/2019</a:t>
             </a:fld>
             <a:endParaRPr lang="en-US" dirty="0"/>
           </a:p>
@@ -16540,7 +16540,300 @@
         </p:nvSpPr>
         <p:spPr>
           <a:xfrm>
-            <a:off x="9152850" y="3217073"/>
+            <a:off x="8198325" y="4724400"/>
+            <a:ext cx="1257300" cy="400110"/>
+          </a:xfrm>
+          <a:prstGeom prst="rect">
+            <a:avLst/>
+          </a:prstGeom>
+          <a:noFill/>
+        </p:spPr>
+        <p:txBody>
+          <a:bodyPr wrap="square" rtlCol="0">
+            <a:spAutoFit/>
+          </a:bodyPr>
+          <a:lstStyle/>
+          <a:p>
+            <a:pPr algn="ctr"/>
+            <a:r>
+              <a:rPr lang="en-US" sz="2000" dirty="0"/>
+              <a:t>0.763”</a:t>
+            </a:r>
+          </a:p>
+        </p:txBody>
+      </p:sp>
+      <p:cxnSp>
+        <p:nvCxnSpPr>
+          <p:cNvPr id="4" name="Straight Arrow Connector 3">
+            <a:extLst>
+              <a:ext uri="{FF2B5EF4-FFF2-40B4-BE49-F238E27FC236}">
+                <a16:creationId xmlns:a16="http://schemas.microsoft.com/office/drawing/2014/main" id="{2A68021A-7DD8-4BCD-B38C-E40E0175734B}"/>
+              </a:ext>
+            </a:extLst>
+          </p:cNvPr>
+          <p:cNvCxnSpPr>
+            <a:cxnSpLocks/>
+          </p:cNvCxnSpPr>
+          <p:nvPr/>
+        </p:nvCxnSpPr>
+        <p:spPr>
+          <a:xfrm>
+            <a:off x="2628900" y="5381440"/>
+            <a:ext cx="6724650" cy="0"/>
+          </a:xfrm>
+          <a:prstGeom prst="straightConnector1">
+            <a:avLst/>
+          </a:prstGeom>
+          <a:ln w="38100">
+            <a:solidFill>
+              <a:schemeClr val="tx1"/>
+            </a:solidFill>
+            <a:headEnd type="triangle"/>
+            <a:tailEnd type="triangle"/>
+          </a:ln>
+        </p:spPr>
+        <p:style>
+          <a:lnRef idx="1">
+            <a:schemeClr val="accent1"/>
+          </a:lnRef>
+          <a:fillRef idx="0">
+            <a:schemeClr val="accent1"/>
+          </a:fillRef>
+          <a:effectRef idx="0">
+            <a:schemeClr val="accent1"/>
+          </a:effectRef>
+          <a:fontRef idx="minor">
+            <a:schemeClr val="tx1"/>
+          </a:fontRef>
+        </p:style>
+      </p:cxnSp>
+      <p:cxnSp>
+        <p:nvCxnSpPr>
+          <p:cNvPr id="14" name="Straight Arrow Connector 13">
+            <a:extLst>
+              <a:ext uri="{FF2B5EF4-FFF2-40B4-BE49-F238E27FC236}">
+                <a16:creationId xmlns:a16="http://schemas.microsoft.com/office/drawing/2014/main" id="{95173BE8-276F-4603-804A-4151BDA58C36}"/>
+              </a:ext>
+            </a:extLst>
+          </p:cNvPr>
+          <p:cNvCxnSpPr>
+            <a:cxnSpLocks/>
+          </p:cNvCxnSpPr>
+          <p:nvPr/>
+        </p:nvCxnSpPr>
+        <p:spPr>
+          <a:xfrm>
+            <a:off x="9486900" y="1676400"/>
+            <a:ext cx="38100" cy="3566160"/>
+          </a:xfrm>
+          <a:prstGeom prst="straightConnector1">
+            <a:avLst/>
+          </a:prstGeom>
+          <a:ln w="38100">
+            <a:solidFill>
+              <a:schemeClr val="tx1"/>
+            </a:solidFill>
+            <a:headEnd type="triangle"/>
+            <a:tailEnd type="triangle"/>
+          </a:ln>
+        </p:spPr>
+        <p:style>
+          <a:lnRef idx="1">
+            <a:schemeClr val="accent1"/>
+          </a:lnRef>
+          <a:fillRef idx="0">
+            <a:schemeClr val="accent1"/>
+          </a:fillRef>
+          <a:effectRef idx="0">
+            <a:schemeClr val="accent1"/>
+          </a:effectRef>
+          <a:fontRef idx="minor">
+            <a:schemeClr val="tx1"/>
+          </a:fontRef>
+        </p:style>
+      </p:cxnSp>
+      <p:cxnSp>
+        <p:nvCxnSpPr>
+          <p:cNvPr id="21" name="Straight Arrow Connector 20">
+            <a:extLst>
+              <a:ext uri="{FF2B5EF4-FFF2-40B4-BE49-F238E27FC236}">
+                <a16:creationId xmlns:a16="http://schemas.microsoft.com/office/drawing/2014/main" id="{27A112C3-5AFA-4B65-A77B-AEAC3E18ABC0}"/>
+              </a:ext>
+            </a:extLst>
+          </p:cNvPr>
+          <p:cNvCxnSpPr/>
+          <p:nvPr/>
+        </p:nvCxnSpPr>
+        <p:spPr>
+          <a:xfrm>
+            <a:off x="2095500" y="2171700"/>
+            <a:ext cx="571500" cy="0"/>
+          </a:xfrm>
+          <a:prstGeom prst="straightConnector1">
+            <a:avLst/>
+          </a:prstGeom>
+          <a:ln w="38100">
+            <a:solidFill>
+              <a:schemeClr val="tx1"/>
+            </a:solidFill>
+            <a:tailEnd type="triangle"/>
+          </a:ln>
+        </p:spPr>
+        <p:style>
+          <a:lnRef idx="1">
+            <a:schemeClr val="accent1"/>
+          </a:lnRef>
+          <a:fillRef idx="0">
+            <a:schemeClr val="accent1"/>
+          </a:fillRef>
+          <a:effectRef idx="0">
+            <a:schemeClr val="accent1"/>
+          </a:effectRef>
+          <a:fontRef idx="minor">
+            <a:schemeClr val="tx1"/>
+          </a:fontRef>
+        </p:style>
+      </p:cxnSp>
+      <p:cxnSp>
+        <p:nvCxnSpPr>
+          <p:cNvPr id="22" name="Straight Arrow Connector 21">
+            <a:extLst>
+              <a:ext uri="{FF2B5EF4-FFF2-40B4-BE49-F238E27FC236}">
+                <a16:creationId xmlns:a16="http://schemas.microsoft.com/office/drawing/2014/main" id="{83C9A217-D8BF-4316-9EC8-A819C2A7DE3E}"/>
+              </a:ext>
+            </a:extLst>
+          </p:cNvPr>
+          <p:cNvCxnSpPr>
+            <a:cxnSpLocks/>
+          </p:cNvCxnSpPr>
+          <p:nvPr/>
+        </p:nvCxnSpPr>
+        <p:spPr>
+          <a:xfrm flipH="1">
+            <a:off x="2857499" y="2171700"/>
+            <a:ext cx="571500" cy="0"/>
+          </a:xfrm>
+          <a:prstGeom prst="straightConnector1">
+            <a:avLst/>
+          </a:prstGeom>
+          <a:ln w="38100">
+            <a:solidFill>
+              <a:schemeClr val="tx1"/>
+            </a:solidFill>
+            <a:tailEnd type="triangle"/>
+          </a:ln>
+        </p:spPr>
+        <p:style>
+          <a:lnRef idx="1">
+            <a:schemeClr val="accent1"/>
+          </a:lnRef>
+          <a:fillRef idx="0">
+            <a:schemeClr val="accent1"/>
+          </a:fillRef>
+          <a:effectRef idx="0">
+            <a:schemeClr val="accent1"/>
+          </a:effectRef>
+          <a:fontRef idx="minor">
+            <a:schemeClr val="tx1"/>
+          </a:fontRef>
+        </p:style>
+      </p:cxnSp>
+      <p:sp>
+        <p:nvSpPr>
+          <p:cNvPr id="24" name="TextBox 23">
+            <a:extLst>
+              <a:ext uri="{FF2B5EF4-FFF2-40B4-BE49-F238E27FC236}">
+                <a16:creationId xmlns:a16="http://schemas.microsoft.com/office/drawing/2014/main" id="{052878A6-4A92-40E7-BD60-095DF0014940}"/>
+              </a:ext>
+            </a:extLst>
+          </p:cNvPr>
+          <p:cNvSpPr txBox="1"/>
+          <p:nvPr/>
+        </p:nvSpPr>
+        <p:spPr>
+          <a:xfrm>
+            <a:off x="1066800" y="1971645"/>
+            <a:ext cx="1257300" cy="400110"/>
+          </a:xfrm>
+          <a:prstGeom prst="rect">
+            <a:avLst/>
+          </a:prstGeom>
+          <a:noFill/>
+        </p:spPr>
+        <p:txBody>
+          <a:bodyPr wrap="square" rtlCol="0">
+            <a:spAutoFit/>
+          </a:bodyPr>
+          <a:lstStyle/>
+          <a:p>
+            <a:pPr algn="ctr"/>
+            <a:r>
+              <a:rPr lang="en-US" sz="2000" dirty="0"/>
+              <a:t>0.073”</a:t>
+            </a:r>
+          </a:p>
+        </p:txBody>
+      </p:sp>
+      <p:cxnSp>
+        <p:nvCxnSpPr>
+          <p:cNvPr id="25" name="Straight Arrow Connector 24">
+            <a:extLst>
+              <a:ext uri="{FF2B5EF4-FFF2-40B4-BE49-F238E27FC236}">
+                <a16:creationId xmlns:a16="http://schemas.microsoft.com/office/drawing/2014/main" id="{338050F4-D55C-4C7E-A8DA-F186780E8ABF}"/>
+              </a:ext>
+            </a:extLst>
+          </p:cNvPr>
+          <p:cNvCxnSpPr>
+            <a:cxnSpLocks/>
+          </p:cNvCxnSpPr>
+          <p:nvPr/>
+        </p:nvCxnSpPr>
+        <p:spPr>
+          <a:xfrm>
+            <a:off x="8300400" y="4724400"/>
+            <a:ext cx="1053150" cy="0"/>
+          </a:xfrm>
+          <a:prstGeom prst="straightConnector1">
+            <a:avLst/>
+          </a:prstGeom>
+          <a:ln w="38100">
+            <a:solidFill>
+              <a:schemeClr val="tx1"/>
+            </a:solidFill>
+            <a:headEnd type="triangle"/>
+            <a:tailEnd type="triangle"/>
+          </a:ln>
+        </p:spPr>
+        <p:style>
+          <a:lnRef idx="1">
+            <a:schemeClr val="accent1"/>
+          </a:lnRef>
+          <a:fillRef idx="0">
+            <a:schemeClr val="accent1"/>
+          </a:fillRef>
+          <a:effectRef idx="0">
+            <a:schemeClr val="accent1"/>
+          </a:effectRef>
+          <a:fontRef idx="minor">
+            <a:schemeClr val="tx1"/>
+          </a:fontRef>
+        </p:style>
+      </p:cxnSp>
+      <p:sp>
+        <p:nvSpPr>
+          <p:cNvPr id="28" name="TextBox 27">
+            <a:extLst>
+              <a:ext uri="{FF2B5EF4-FFF2-40B4-BE49-F238E27FC236}">
+                <a16:creationId xmlns:a16="http://schemas.microsoft.com/office/drawing/2014/main" id="{BCF95500-5201-4F8D-9C8E-38A9FCA4A629}"/>
+              </a:ext>
+            </a:extLst>
+          </p:cNvPr>
+          <p:cNvSpPr txBox="1"/>
+          <p:nvPr/>
+        </p:nvSpPr>
+        <p:spPr>
+          <a:xfrm>
+            <a:off x="9431754" y="3369473"/>
             <a:ext cx="1257300" cy="400110"/>
           </a:xfrm>
           <a:prstGeom prst="rect">
